--- a/presentation/SSL_3.0.pptx
+++ b/presentation/SSL_3.0.pptx
@@ -340,7 +340,7 @@
           <a:p>
             <a:fld id="{8214A1B7-6786-234B-AC1F-5571F06C3002}" type="datetimeFigureOut">
               <a:rPr lang="en-US" smtClean="0"/>
-              <a:t>20/4/15</a:t>
+              <a:t>21/4/15</a:t>
             </a:fld>
             <a:endParaRPr lang="en-US"/>
           </a:p>
@@ -661,7 +661,7 @@
           <a:p>
             <a:fld id="{8214A1B7-6786-234B-AC1F-5571F06C3002}" type="datetimeFigureOut">
               <a:rPr lang="en-US" smtClean="0"/>
-              <a:t>20/4/15</a:t>
+              <a:t>21/4/15</a:t>
             </a:fld>
             <a:endParaRPr lang="en-US"/>
           </a:p>
@@ -938,7 +938,7 @@
           <a:p>
             <a:fld id="{8214A1B7-6786-234B-AC1F-5571F06C3002}" type="datetimeFigureOut">
               <a:rPr lang="en-US" smtClean="0"/>
-              <a:t>20/4/15</a:t>
+              <a:t>21/4/15</a:t>
             </a:fld>
             <a:endParaRPr lang="en-US"/>
           </a:p>
@@ -1232,7 +1232,7 @@
           <a:p>
             <a:fld id="{8214A1B7-6786-234B-AC1F-5571F06C3002}" type="datetimeFigureOut">
               <a:rPr lang="en-US" smtClean="0"/>
-              <a:t>20/4/15</a:t>
+              <a:t>21/4/15</a:t>
             </a:fld>
             <a:endParaRPr lang="en-US"/>
           </a:p>
@@ -1561,7 +1561,7 @@
           <a:p>
             <a:fld id="{8214A1B7-6786-234B-AC1F-5571F06C3002}" type="datetimeFigureOut">
               <a:rPr lang="en-US" smtClean="0"/>
-              <a:t>20/4/15</a:t>
+              <a:t>21/4/15</a:t>
             </a:fld>
             <a:endParaRPr lang="en-US"/>
           </a:p>
@@ -1812,7 +1812,7 @@
           <a:p>
             <a:fld id="{8214A1B7-6786-234B-AC1F-5571F06C3002}" type="datetimeFigureOut">
               <a:rPr lang="en-US" smtClean="0"/>
-              <a:t>20/4/15</a:t>
+              <a:t>21/4/15</a:t>
             </a:fld>
             <a:endParaRPr lang="en-US"/>
           </a:p>
@@ -1991,7 +1991,7 @@
           <a:p>
             <a:fld id="{8214A1B7-6786-234B-AC1F-5571F06C3002}" type="datetimeFigureOut">
               <a:rPr lang="en-US" smtClean="0"/>
-              <a:t>20/4/15</a:t>
+              <a:t>21/4/15</a:t>
             </a:fld>
             <a:endParaRPr lang="en-US"/>
           </a:p>
@@ -2160,7 +2160,7 @@
           <a:p>
             <a:fld id="{8214A1B7-6786-234B-AC1F-5571F06C3002}" type="datetimeFigureOut">
               <a:rPr lang="en-US" smtClean="0"/>
-              <a:t>20/4/15</a:t>
+              <a:t>21/4/15</a:t>
             </a:fld>
             <a:endParaRPr lang="en-US"/>
           </a:p>
@@ -2429,7 +2429,7 @@
           <a:p>
             <a:fld id="{8214A1B7-6786-234B-AC1F-5571F06C3002}" type="datetimeFigureOut">
               <a:rPr lang="en-US" smtClean="0"/>
-              <a:t>20/4/15</a:t>
+              <a:t>21/4/15</a:t>
             </a:fld>
             <a:endParaRPr lang="en-US"/>
           </a:p>
@@ -2736,7 +2736,7 @@
           <a:p>
             <a:fld id="{8214A1B7-6786-234B-AC1F-5571F06C3002}" type="datetimeFigureOut">
               <a:rPr lang="en-US" smtClean="0"/>
-              <a:t>20/4/15</a:t>
+              <a:t>21/4/15</a:t>
             </a:fld>
             <a:endParaRPr lang="en-US"/>
           </a:p>
@@ -3028,7 +3028,7 @@
           <a:p>
             <a:fld id="{8214A1B7-6786-234B-AC1F-5571F06C3002}" type="datetimeFigureOut">
               <a:rPr lang="en-US" smtClean="0"/>
-              <a:t>20/4/15</a:t>
+              <a:t>21/4/15</a:t>
             </a:fld>
             <a:endParaRPr lang="en-US"/>
           </a:p>
@@ -3458,7 +3458,7 @@
           <a:p>
             <a:fld id="{8214A1B7-6786-234B-AC1F-5571F06C3002}" type="datetimeFigureOut">
               <a:rPr lang="en-US" smtClean="0"/>
-              <a:t>20/4/15</a:t>
+              <a:t>21/4/15</a:t>
             </a:fld>
             <a:endParaRPr lang="en-US"/>
           </a:p>
@@ -3804,7 +3804,7 @@
           <a:p>
             <a:fld id="{8214A1B7-6786-234B-AC1F-5571F06C3002}" type="datetimeFigureOut">
               <a:rPr lang="en-US" smtClean="0"/>
-              <a:t>20/4/15</a:t>
+              <a:t>21/4/15</a:t>
             </a:fld>
             <a:endParaRPr lang="en-US"/>
           </a:p>
@@ -3894,7 +3894,7 @@
           <a:p>
             <a:fld id="{8214A1B7-6786-234B-AC1F-5571F06C3002}" type="datetimeFigureOut">
               <a:rPr lang="en-US" smtClean="0"/>
-              <a:t>20/4/15</a:t>
+              <a:t>21/4/15</a:t>
             </a:fld>
             <a:endParaRPr lang="en-US"/>
           </a:p>
@@ -4231,7 +4231,7 @@
           <a:p>
             <a:fld id="{8214A1B7-6786-234B-AC1F-5571F06C3002}" type="datetimeFigureOut">
               <a:rPr lang="en-US" smtClean="0"/>
-              <a:t>20/4/15</a:t>
+              <a:t>21/4/15</a:t>
             </a:fld>
             <a:endParaRPr lang="en-US"/>
           </a:p>
@@ -4443,7 +4443,7 @@
           <a:p>
             <a:fld id="{8214A1B7-6786-234B-AC1F-5571F06C3002}" type="datetimeFigureOut">
               <a:rPr lang="en-US" smtClean="0"/>
-              <a:t>20/4/15</a:t>
+              <a:t>21/4/15</a:t>
             </a:fld>
             <a:endParaRPr lang="en-US"/>
           </a:p>
@@ -5048,20 +5048,8 @@
               <a:buChar char="q"/>
             </a:pPr>
             <a:r>
-              <a:rPr lang="en-US" dirty="0" err="1" smtClean="0"/>
-              <a:t>Shruti</a:t>
-            </a:r>
-            <a:r>
               <a:rPr lang="en-US" dirty="0" smtClean="0"/>
-              <a:t> </a:t>
-            </a:r>
-            <a:r>
-              <a:rPr lang="en-US" dirty="0" err="1" smtClean="0"/>
-              <a:t>Tople</a:t>
-            </a:r>
-            <a:r>
-              <a:rPr lang="en-US" dirty="0" smtClean="0"/>
-              <a:t> 		(A0109720)</a:t>
+              <a:t>Shruti Tople 		(A0109720)</a:t>
             </a:r>
           </a:p>
           <a:p>
@@ -5099,7 +5087,6 @@
               <a:rPr lang="en-US" dirty="0" smtClean="0"/>
               <a:t>		(A00095481)</a:t>
             </a:r>
-            <a:endParaRPr lang="en-US" dirty="0" smtClean="0"/>
           </a:p>
         </p:txBody>
       </p:sp>
@@ -5441,7 +5428,7 @@
           <a:graphicData uri="http://schemas.openxmlformats.org/presentationml/2006/ole">
             <mc:AlternateContent xmlns:mc="http://schemas.openxmlformats.org/markup-compatibility/2006">
               <mc:Choice xmlns:v="urn:schemas-microsoft-com:vml" Requires="v">
-                <p:oleObj spid="_x0000_s1046" name="Equation" r:id="rId4" imgW="114300" imgH="165100" progId="Equation.3">
+                <p:oleObj spid="_x0000_s1048" name="Equation" r:id="rId4" imgW="114300" imgH="165100" progId="Equation.3">
                   <p:embed/>
                 </p:oleObj>
               </mc:Choice>
@@ -6148,7 +6135,6 @@
               <a:rPr lang="en-US" dirty="0"/>
               <a:t>an inventor more impactful because he is closely connected to other impactful inventors in the patent social network? </a:t>
             </a:r>
-            <a:endParaRPr lang="en-US" dirty="0"/>
           </a:p>
           <a:p>
             <a:endParaRPr lang="en-US" dirty="0" smtClean="0"/>
@@ -6191,7 +6177,11 @@
             </a:r>
             <a:r>
               <a:rPr lang="en-US" dirty="0"/>
-              <a:t>Which organizations are leading the in- novation </a:t>
+              <a:t>Which organizations are leading the </a:t>
+            </a:r>
+            <a:r>
+              <a:rPr lang="en-US" dirty="0" smtClean="0"/>
+              <a:t>innovation </a:t>
             </a:r>
             <a:r>
               <a:rPr lang="en-US" dirty="0" smtClean="0"/>
@@ -6214,7 +6204,190 @@
   <p:timing>
     <p:tnLst>
       <p:par>
-        <p:cTn xmlns:p14="http://schemas.microsoft.com/office/powerpoint/2010/main" id="1" dur="indefinite" restart="never" nodeType="tmRoot"/>
+        <p:cTn xmlns:p14="http://schemas.microsoft.com/office/powerpoint/2010/main" id="1" dur="indefinite" restart="never" nodeType="tmRoot">
+          <p:childTnLst>
+            <p:seq concurrent="1" nextAc="seek">
+              <p:cTn id="2" dur="indefinite" nodeType="mainSeq">
+                <p:childTnLst>
+                  <p:par>
+                    <p:cTn id="3" fill="hold">
+                      <p:stCondLst>
+                        <p:cond delay="indefinite"/>
+                      </p:stCondLst>
+                      <p:childTnLst>
+                        <p:par>
+                          <p:cTn id="4" fill="hold">
+                            <p:stCondLst>
+                              <p:cond delay="0"/>
+                            </p:stCondLst>
+                            <p:childTnLst>
+                              <p:par>
+                                <p:cTn id="5" presetID="1" presetClass="entr" presetSubtype="0" fill="hold" nodeType="clickEffect">
+                                  <p:stCondLst>
+                                    <p:cond delay="0"/>
+                                  </p:stCondLst>
+                                  <p:childTnLst>
+                                    <p:set>
+                                      <p:cBhvr>
+                                        <p:cTn id="6" dur="1" fill="hold">
+                                          <p:stCondLst>
+                                            <p:cond delay="0"/>
+                                          </p:stCondLst>
+                                        </p:cTn>
+                                        <p:tgtEl>
+                                          <p:spTgt spid="3">
+                                            <p:txEl>
+                                              <p:pRg st="3" end="3"/>
+                                            </p:txEl>
+                                          </p:spTgt>
+                                        </p:tgtEl>
+                                        <p:attrNameLst>
+                                          <p:attrName>style.visibility</p:attrName>
+                                        </p:attrNameLst>
+                                      </p:cBhvr>
+                                      <p:to>
+                                        <p:strVal val="visible"/>
+                                      </p:to>
+                                    </p:set>
+                                  </p:childTnLst>
+                                </p:cTn>
+                              </p:par>
+                              <p:par>
+                                <p:cTn id="7" presetID="1" presetClass="entr" presetSubtype="0" fill="hold" nodeType="withEffect">
+                                  <p:stCondLst>
+                                    <p:cond delay="0"/>
+                                  </p:stCondLst>
+                                  <p:childTnLst>
+                                    <p:set>
+                                      <p:cBhvr>
+                                        <p:cTn id="8" dur="1" fill="hold">
+                                          <p:stCondLst>
+                                            <p:cond delay="0"/>
+                                          </p:stCondLst>
+                                        </p:cTn>
+                                        <p:tgtEl>
+                                          <p:spTgt spid="3">
+                                            <p:txEl>
+                                              <p:pRg st="4" end="4"/>
+                                            </p:txEl>
+                                          </p:spTgt>
+                                        </p:tgtEl>
+                                        <p:attrNameLst>
+                                          <p:attrName>style.visibility</p:attrName>
+                                        </p:attrNameLst>
+                                      </p:cBhvr>
+                                      <p:to>
+                                        <p:strVal val="visible"/>
+                                      </p:to>
+                                    </p:set>
+                                  </p:childTnLst>
+                                </p:cTn>
+                              </p:par>
+                            </p:childTnLst>
+                          </p:cTn>
+                        </p:par>
+                      </p:childTnLst>
+                    </p:cTn>
+                  </p:par>
+                  <p:par>
+                    <p:cTn id="9" fill="hold">
+                      <p:stCondLst>
+                        <p:cond delay="indefinite"/>
+                      </p:stCondLst>
+                      <p:childTnLst>
+                        <p:par>
+                          <p:cTn id="10" fill="hold">
+                            <p:stCondLst>
+                              <p:cond delay="0"/>
+                            </p:stCondLst>
+                            <p:childTnLst>
+                              <p:par>
+                                <p:cTn id="11" presetID="1" presetClass="entr" presetSubtype="0" fill="hold" nodeType="clickEffect">
+                                  <p:stCondLst>
+                                    <p:cond delay="0"/>
+                                  </p:stCondLst>
+                                  <p:childTnLst>
+                                    <p:set>
+                                      <p:cBhvr>
+                                        <p:cTn id="12" dur="1" fill="hold">
+                                          <p:stCondLst>
+                                            <p:cond delay="0"/>
+                                          </p:stCondLst>
+                                        </p:cTn>
+                                        <p:tgtEl>
+                                          <p:spTgt spid="3">
+                                            <p:txEl>
+                                              <p:pRg st="6" end="6"/>
+                                            </p:txEl>
+                                          </p:spTgt>
+                                        </p:tgtEl>
+                                        <p:attrNameLst>
+                                          <p:attrName>style.visibility</p:attrName>
+                                        </p:attrNameLst>
+                                      </p:cBhvr>
+                                      <p:to>
+                                        <p:strVal val="visible"/>
+                                      </p:to>
+                                    </p:set>
+                                  </p:childTnLst>
+                                </p:cTn>
+                              </p:par>
+                              <p:par>
+                                <p:cTn id="13" presetID="1" presetClass="entr" presetSubtype="0" fill="hold" nodeType="withEffect">
+                                  <p:stCondLst>
+                                    <p:cond delay="0"/>
+                                  </p:stCondLst>
+                                  <p:childTnLst>
+                                    <p:set>
+                                      <p:cBhvr>
+                                        <p:cTn id="14" dur="1" fill="hold">
+                                          <p:stCondLst>
+                                            <p:cond delay="0"/>
+                                          </p:stCondLst>
+                                        </p:cTn>
+                                        <p:tgtEl>
+                                          <p:spTgt spid="3">
+                                            <p:txEl>
+                                              <p:pRg st="7" end="7"/>
+                                            </p:txEl>
+                                          </p:spTgt>
+                                        </p:tgtEl>
+                                        <p:attrNameLst>
+                                          <p:attrName>style.visibility</p:attrName>
+                                        </p:attrNameLst>
+                                      </p:cBhvr>
+                                      <p:to>
+                                        <p:strVal val="visible"/>
+                                      </p:to>
+                                    </p:set>
+                                  </p:childTnLst>
+                                </p:cTn>
+                              </p:par>
+                            </p:childTnLst>
+                          </p:cTn>
+                        </p:par>
+                      </p:childTnLst>
+                    </p:cTn>
+                  </p:par>
+                </p:childTnLst>
+              </p:cTn>
+              <p:prevCondLst>
+                <p:cond evt="onPrev" delay="0">
+                  <p:tgtEl>
+                    <p:sldTgt/>
+                  </p:tgtEl>
+                </p:cond>
+              </p:prevCondLst>
+              <p:nextCondLst>
+                <p:cond evt="onNext" delay="0">
+                  <p:tgtEl>
+                    <p:sldTgt/>
+                  </p:tgtEl>
+                </p:cond>
+              </p:nextCondLst>
+            </p:seq>
+          </p:childTnLst>
+        </p:cTn>
       </p:par>
     </p:tnLst>
   </p:timing>
@@ -6344,7 +6517,141 @@
   <p:timing>
     <p:tnLst>
       <p:par>
-        <p:cTn xmlns:p14="http://schemas.microsoft.com/office/powerpoint/2010/main" id="1" dur="indefinite" restart="never" nodeType="tmRoot"/>
+        <p:cTn xmlns:p14="http://schemas.microsoft.com/office/powerpoint/2010/main" id="1" dur="indefinite" restart="never" nodeType="tmRoot">
+          <p:childTnLst>
+            <p:seq concurrent="1" nextAc="seek">
+              <p:cTn id="2" dur="indefinite" nodeType="mainSeq">
+                <p:childTnLst>
+                  <p:par>
+                    <p:cTn id="3" fill="hold">
+                      <p:stCondLst>
+                        <p:cond delay="indefinite"/>
+                      </p:stCondLst>
+                      <p:childTnLst>
+                        <p:par>
+                          <p:cTn id="4" fill="hold">
+                            <p:stCondLst>
+                              <p:cond delay="0"/>
+                            </p:stCondLst>
+                            <p:childTnLst>
+                              <p:par>
+                                <p:cTn id="5" presetID="1" presetClass="entr" presetSubtype="0" fill="hold" nodeType="clickEffect">
+                                  <p:stCondLst>
+                                    <p:cond delay="0"/>
+                                  </p:stCondLst>
+                                  <p:childTnLst>
+                                    <p:set>
+                                      <p:cBhvr>
+                                        <p:cTn id="6" dur="1" fill="hold">
+                                          <p:stCondLst>
+                                            <p:cond delay="0"/>
+                                          </p:stCondLst>
+                                        </p:cTn>
+                                        <p:tgtEl>
+                                          <p:spTgt spid="3">
+                                            <p:txEl>
+                                              <p:pRg st="4" end="4"/>
+                                            </p:txEl>
+                                          </p:spTgt>
+                                        </p:tgtEl>
+                                        <p:attrNameLst>
+                                          <p:attrName>style.visibility</p:attrName>
+                                        </p:attrNameLst>
+                                      </p:cBhvr>
+                                      <p:to>
+                                        <p:strVal val="visible"/>
+                                      </p:to>
+                                    </p:set>
+                                  </p:childTnLst>
+                                </p:cTn>
+                              </p:par>
+                              <p:par>
+                                <p:cTn id="7" presetID="1" presetClass="entr" presetSubtype="0" fill="hold" nodeType="withEffect">
+                                  <p:stCondLst>
+                                    <p:cond delay="0"/>
+                                  </p:stCondLst>
+                                  <p:childTnLst>
+                                    <p:set>
+                                      <p:cBhvr>
+                                        <p:cTn id="8" dur="1" fill="hold">
+                                          <p:stCondLst>
+                                            <p:cond delay="0"/>
+                                          </p:stCondLst>
+                                        </p:cTn>
+                                        <p:tgtEl>
+                                          <p:spTgt spid="3">
+                                            <p:txEl>
+                                              <p:pRg st="5" end="5"/>
+                                            </p:txEl>
+                                          </p:spTgt>
+                                        </p:tgtEl>
+                                        <p:attrNameLst>
+                                          <p:attrName>style.visibility</p:attrName>
+                                        </p:attrNameLst>
+                                      </p:cBhvr>
+                                      <p:to>
+                                        <p:strVal val="visible"/>
+                                      </p:to>
+                                    </p:set>
+                                  </p:childTnLst>
+                                </p:cTn>
+                              </p:par>
+                              <p:par>
+                                <p:cTn id="9" presetID="1" presetClass="entr" presetSubtype="0" fill="hold" nodeType="withEffect">
+                                  <p:stCondLst>
+                                    <p:cond delay="0"/>
+                                  </p:stCondLst>
+                                  <p:childTnLst>
+                                    <p:set>
+                                      <p:cBhvr>
+                                        <p:cTn id="10" dur="1" fill="hold">
+                                          <p:stCondLst>
+                                            <p:cond delay="0"/>
+                                          </p:stCondLst>
+                                        </p:cTn>
+                                        <p:tgtEl>
+                                          <p:spTgt spid="3">
+                                            <p:txEl>
+                                              <p:pRg st="6" end="6"/>
+                                            </p:txEl>
+                                          </p:spTgt>
+                                        </p:tgtEl>
+                                        <p:attrNameLst>
+                                          <p:attrName>style.visibility</p:attrName>
+                                        </p:attrNameLst>
+                                      </p:cBhvr>
+                                      <p:to>
+                                        <p:strVal val="visible"/>
+                                      </p:to>
+                                    </p:set>
+                                  </p:childTnLst>
+                                </p:cTn>
+                              </p:par>
+                            </p:childTnLst>
+                          </p:cTn>
+                        </p:par>
+                      </p:childTnLst>
+                    </p:cTn>
+                  </p:par>
+                </p:childTnLst>
+              </p:cTn>
+              <p:prevCondLst>
+                <p:cond evt="onPrev" delay="0">
+                  <p:tgtEl>
+                    <p:sldTgt/>
+                  </p:tgtEl>
+                </p:cond>
+              </p:prevCondLst>
+              <p:nextCondLst>
+                <p:cond evt="onNext" delay="0">
+                  <p:tgtEl>
+                    <p:sldTgt/>
+                  </p:tgtEl>
+                </p:cond>
+              </p:nextCondLst>
+            </p:seq>
+          </p:childTnLst>
+        </p:cTn>
       </p:par>
     </p:tnLst>
   </p:timing>
@@ -6424,7 +6731,6 @@
               <a:rPr lang="en-US" dirty="0" smtClean="0"/>
               <a:t>impactful</a:t>
             </a:r>
-            <a:endParaRPr lang="en-US" dirty="0" smtClean="0"/>
           </a:p>
           <a:p>
             <a:pPr lvl="1"/>
